--- a/Doh/rotate.pptx
+++ b/Doh/rotate.pptx
@@ -8,7 +8,11 @@
     <p:sldId id="256" r:id="rId2"/>
     <p:sldId id="257" r:id="rId3"/>
     <p:sldId id="259" r:id="rId4"/>
-    <p:sldId id="258" r:id="rId5"/>
+    <p:sldId id="263" r:id="rId5"/>
+    <p:sldId id="260" r:id="rId6"/>
+    <p:sldId id="262" r:id="rId7"/>
+    <p:sldId id="261" r:id="rId8"/>
+    <p:sldId id="258" r:id="rId9"/>
   </p:sldIdLst>
   <p:sldSz cx="12192000" cy="6858000"/>
   <p:notesSz cx="6858000" cy="9144000"/>
@@ -262,7 +266,7 @@
           <a:p>
             <a:fld id="{AC373921-3F35-42CF-A4A2-634C4BBA3D38}" type="datetimeFigureOut">
               <a:rPr lang="ko-KR" altLang="en-US" smtClean="0"/>
-              <a:t>2019-12-11</a:t>
+              <a:t>2019-12-12</a:t>
             </a:fld>
             <a:endParaRPr lang="ko-KR" altLang="en-US"/>
           </a:p>
@@ -460,7 +464,7 @@
           <a:p>
             <a:fld id="{AC373921-3F35-42CF-A4A2-634C4BBA3D38}" type="datetimeFigureOut">
               <a:rPr lang="ko-KR" altLang="en-US" smtClean="0"/>
-              <a:t>2019-12-11</a:t>
+              <a:t>2019-12-12</a:t>
             </a:fld>
             <a:endParaRPr lang="ko-KR" altLang="en-US"/>
           </a:p>
@@ -668,7 +672,7 @@
           <a:p>
             <a:fld id="{AC373921-3F35-42CF-A4A2-634C4BBA3D38}" type="datetimeFigureOut">
               <a:rPr lang="ko-KR" altLang="en-US" smtClean="0"/>
-              <a:t>2019-12-11</a:t>
+              <a:t>2019-12-12</a:t>
             </a:fld>
             <a:endParaRPr lang="ko-KR" altLang="en-US"/>
           </a:p>
@@ -866,7 +870,7 @@
           <a:p>
             <a:fld id="{AC373921-3F35-42CF-A4A2-634C4BBA3D38}" type="datetimeFigureOut">
               <a:rPr lang="ko-KR" altLang="en-US" smtClean="0"/>
-              <a:t>2019-12-11</a:t>
+              <a:t>2019-12-12</a:t>
             </a:fld>
             <a:endParaRPr lang="ko-KR" altLang="en-US"/>
           </a:p>
@@ -1141,7 +1145,7 @@
           <a:p>
             <a:fld id="{AC373921-3F35-42CF-A4A2-634C4BBA3D38}" type="datetimeFigureOut">
               <a:rPr lang="ko-KR" altLang="en-US" smtClean="0"/>
-              <a:t>2019-12-11</a:t>
+              <a:t>2019-12-12</a:t>
             </a:fld>
             <a:endParaRPr lang="ko-KR" altLang="en-US"/>
           </a:p>
@@ -1406,7 +1410,7 @@
           <a:p>
             <a:fld id="{AC373921-3F35-42CF-A4A2-634C4BBA3D38}" type="datetimeFigureOut">
               <a:rPr lang="ko-KR" altLang="en-US" smtClean="0"/>
-              <a:t>2019-12-11</a:t>
+              <a:t>2019-12-12</a:t>
             </a:fld>
             <a:endParaRPr lang="ko-KR" altLang="en-US"/>
           </a:p>
@@ -1818,7 +1822,7 @@
           <a:p>
             <a:fld id="{AC373921-3F35-42CF-A4A2-634C4BBA3D38}" type="datetimeFigureOut">
               <a:rPr lang="ko-KR" altLang="en-US" smtClean="0"/>
-              <a:t>2019-12-11</a:t>
+              <a:t>2019-12-12</a:t>
             </a:fld>
             <a:endParaRPr lang="ko-KR" altLang="en-US"/>
           </a:p>
@@ -1959,7 +1963,7 @@
           <a:p>
             <a:fld id="{AC373921-3F35-42CF-A4A2-634C4BBA3D38}" type="datetimeFigureOut">
               <a:rPr lang="ko-KR" altLang="en-US" smtClean="0"/>
-              <a:t>2019-12-11</a:t>
+              <a:t>2019-12-12</a:t>
             </a:fld>
             <a:endParaRPr lang="ko-KR" altLang="en-US"/>
           </a:p>
@@ -2072,7 +2076,7 @@
           <a:p>
             <a:fld id="{AC373921-3F35-42CF-A4A2-634C4BBA3D38}" type="datetimeFigureOut">
               <a:rPr lang="ko-KR" altLang="en-US" smtClean="0"/>
-              <a:t>2019-12-11</a:t>
+              <a:t>2019-12-12</a:t>
             </a:fld>
             <a:endParaRPr lang="ko-KR" altLang="en-US"/>
           </a:p>
@@ -2383,7 +2387,7 @@
           <a:p>
             <a:fld id="{AC373921-3F35-42CF-A4A2-634C4BBA3D38}" type="datetimeFigureOut">
               <a:rPr lang="ko-KR" altLang="en-US" smtClean="0"/>
-              <a:t>2019-12-11</a:t>
+              <a:t>2019-12-12</a:t>
             </a:fld>
             <a:endParaRPr lang="ko-KR" altLang="en-US"/>
           </a:p>
@@ -2671,7 +2675,7 @@
           <a:p>
             <a:fld id="{AC373921-3F35-42CF-A4A2-634C4BBA3D38}" type="datetimeFigureOut">
               <a:rPr lang="ko-KR" altLang="en-US" smtClean="0"/>
-              <a:t>2019-12-11</a:t>
+              <a:t>2019-12-12</a:t>
             </a:fld>
             <a:endParaRPr lang="ko-KR" altLang="en-US"/>
           </a:p>
@@ -2912,7 +2916,7 @@
           <a:p>
             <a:fld id="{AC373921-3F35-42CF-A4A2-634C4BBA3D38}" type="datetimeFigureOut">
               <a:rPr lang="ko-KR" altLang="en-US" smtClean="0"/>
-              <a:t>2019-12-11</a:t>
+              <a:t>2019-12-12</a:t>
             </a:fld>
             <a:endParaRPr lang="ko-KR" altLang="en-US"/>
           </a:p>
@@ -4662,8 +4666,8 @@
         </p:nvSpPr>
         <p:spPr>
           <a:xfrm>
-            <a:off x="2652116" y="1354413"/>
-            <a:ext cx="1882622" cy="2074587"/>
+            <a:off x="904240" y="802641"/>
+            <a:ext cx="3720590" cy="3688080"/>
           </a:xfrm>
           <a:prstGeom prst="rect">
             <a:avLst/>
@@ -4730,8 +4734,8 @@
           </a:stretch>
         </p:blipFill>
         <p:spPr>
-          <a:xfrm rot="20411891">
-            <a:off x="2652117" y="1262133"/>
+          <a:xfrm rot="20951873">
+            <a:off x="2018339" y="1642745"/>
             <a:ext cx="1882622" cy="2259146"/>
           </a:xfrm>
           <a:prstGeom prst="rect">
@@ -4786,6 +4790,1636 @@
 </file>
 
 <file path=ppt/slides/slide4.xml><?xml version="1.0" encoding="utf-8"?>
+<p:sld xmlns:a="http://schemas.openxmlformats.org/drawingml/2006/main" xmlns:r="http://schemas.openxmlformats.org/officeDocument/2006/relationships" xmlns:p="http://schemas.openxmlformats.org/presentationml/2006/main">
+  <p:cSld>
+    <p:spTree>
+      <p:nvGrpSpPr>
+        <p:cNvPr id="1" name=""/>
+        <p:cNvGrpSpPr/>
+        <p:nvPr/>
+      </p:nvGrpSpPr>
+      <p:grpSpPr>
+        <a:xfrm>
+          <a:off x="0" y="0"/>
+          <a:ext cx="0" cy="0"/>
+          <a:chOff x="0" y="0"/>
+          <a:chExt cx="0" cy="0"/>
+        </a:xfrm>
+      </p:grpSpPr>
+      <p:sp>
+        <p:nvSpPr>
+          <p:cNvPr id="24" name="직사각형 23">
+            <a:extLst>
+              <a:ext uri="{FF2B5EF4-FFF2-40B4-BE49-F238E27FC236}">
+                <a16:creationId xmlns:a16="http://schemas.microsoft.com/office/drawing/2014/main" id="{F6DA23BF-76D8-4087-9D23-988ADD7B9CE9}"/>
+              </a:ext>
+            </a:extLst>
+          </p:cNvPr>
+          <p:cNvSpPr/>
+          <p:nvPr/>
+        </p:nvSpPr>
+        <p:spPr>
+          <a:xfrm>
+            <a:off x="904240" y="802641"/>
+            <a:ext cx="3720590" cy="3688080"/>
+          </a:xfrm>
+          <a:prstGeom prst="rect">
+            <a:avLst/>
+          </a:prstGeom>
+          <a:solidFill>
+            <a:schemeClr val="accent1">
+              <a:alpha val="71000"/>
+            </a:schemeClr>
+          </a:solidFill>
+          <a:ln>
+            <a:noFill/>
+          </a:ln>
+        </p:spPr>
+        <p:style>
+          <a:lnRef idx="2">
+            <a:schemeClr val="accent1">
+              <a:shade val="50000"/>
+            </a:schemeClr>
+          </a:lnRef>
+          <a:fillRef idx="1">
+            <a:schemeClr val="accent1"/>
+          </a:fillRef>
+          <a:effectRef idx="0">
+            <a:schemeClr val="accent1"/>
+          </a:effectRef>
+          <a:fontRef idx="minor">
+            <a:schemeClr val="lt1"/>
+          </a:fontRef>
+        </p:style>
+        <p:txBody>
+          <a:bodyPr rtlCol="0" anchor="ctr"/>
+          <a:lstStyle/>
+          <a:p>
+            <a:pPr algn="ctr"/>
+            <a:endParaRPr lang="ko-KR" altLang="en-US"/>
+          </a:p>
+        </p:txBody>
+      </p:sp>
+      <p:pic>
+        <p:nvPicPr>
+          <p:cNvPr id="3" name="그림 2">
+            <a:extLst>
+              <a:ext uri="{FF2B5EF4-FFF2-40B4-BE49-F238E27FC236}">
+                <a16:creationId xmlns:a16="http://schemas.microsoft.com/office/drawing/2014/main" id="{5484A041-8227-4463-93D4-B13B28BA9262}"/>
+              </a:ext>
+            </a:extLst>
+          </p:cNvPr>
+          <p:cNvPicPr>
+            <a:picLocks noChangeAspect="1"/>
+          </p:cNvPicPr>
+          <p:nvPr/>
+        </p:nvPicPr>
+        <p:blipFill>
+          <a:blip r:embed="rId2">
+            <a:alphaModFix/>
+            <a:extLst>
+              <a:ext uri="{28A0092B-C50C-407E-A947-70E740481C1C}">
+                <a14:useLocalDpi xmlns:a14="http://schemas.microsoft.com/office/drawing/2010/main" val="0"/>
+              </a:ext>
+            </a:extLst>
+          </a:blip>
+          <a:stretch>
+            <a:fillRect/>
+          </a:stretch>
+        </p:blipFill>
+        <p:spPr>
+          <a:xfrm rot="20951873">
+            <a:off x="1823224" y="809625"/>
+            <a:ext cx="1882622" cy="2259146"/>
+          </a:xfrm>
+          <a:prstGeom prst="rect">
+            <a:avLst/>
+          </a:prstGeom>
+          <a:solidFill>
+            <a:schemeClr val="accent1"/>
+          </a:solidFill>
+        </p:spPr>
+      </p:pic>
+      <p:pic>
+        <p:nvPicPr>
+          <p:cNvPr id="6" name="그림 5">
+            <a:extLst>
+              <a:ext uri="{FF2B5EF4-FFF2-40B4-BE49-F238E27FC236}">
+                <a16:creationId xmlns:a16="http://schemas.microsoft.com/office/drawing/2014/main" id="{C5DA4A96-B62E-40BF-8C2E-7090827CDD0C}"/>
+              </a:ext>
+            </a:extLst>
+          </p:cNvPr>
+          <p:cNvPicPr>
+            <a:picLocks noChangeAspect="1"/>
+          </p:cNvPicPr>
+          <p:nvPr/>
+        </p:nvPicPr>
+        <p:blipFill>
+          <a:blip r:embed="rId3"/>
+          <a:stretch>
+            <a:fillRect/>
+          </a:stretch>
+        </p:blipFill>
+        <p:spPr>
+          <a:xfrm>
+            <a:off x="6406334" y="1390650"/>
+            <a:ext cx="1847850" cy="2038350"/>
+          </a:xfrm>
+          <a:prstGeom prst="rect">
+            <a:avLst/>
+          </a:prstGeom>
+        </p:spPr>
+      </p:pic>
+      <p:sp>
+        <p:nvSpPr>
+          <p:cNvPr id="2" name="직사각형 1">
+            <a:extLst>
+              <a:ext uri="{FF2B5EF4-FFF2-40B4-BE49-F238E27FC236}">
+                <a16:creationId xmlns:a16="http://schemas.microsoft.com/office/drawing/2014/main" id="{2A837CCF-22CB-4B6F-9911-ABCBD0EA5116}"/>
+              </a:ext>
+            </a:extLst>
+          </p:cNvPr>
+          <p:cNvSpPr/>
+          <p:nvPr/>
+        </p:nvSpPr>
+        <p:spPr>
+          <a:xfrm>
+            <a:off x="904240" y="416561"/>
+            <a:ext cx="3720590" cy="386080"/>
+          </a:xfrm>
+          <a:prstGeom prst="rect">
+            <a:avLst/>
+          </a:prstGeom>
+          <a:solidFill>
+            <a:schemeClr val="bg1"/>
+          </a:solidFill>
+          <a:ln>
+            <a:noFill/>
+          </a:ln>
+        </p:spPr>
+        <p:style>
+          <a:lnRef idx="2">
+            <a:schemeClr val="accent1">
+              <a:shade val="50000"/>
+            </a:schemeClr>
+          </a:lnRef>
+          <a:fillRef idx="1">
+            <a:schemeClr val="accent1"/>
+          </a:fillRef>
+          <a:effectRef idx="0">
+            <a:schemeClr val="accent1"/>
+          </a:effectRef>
+          <a:fontRef idx="minor">
+            <a:schemeClr val="lt1"/>
+          </a:fontRef>
+        </p:style>
+        <p:txBody>
+          <a:bodyPr rtlCol="0" anchor="ctr"/>
+          <a:lstStyle/>
+          <a:p>
+            <a:pPr algn="ctr"/>
+            <a:endParaRPr lang="ko-KR" altLang="en-US"/>
+          </a:p>
+        </p:txBody>
+      </p:sp>
+    </p:spTree>
+    <p:extLst>
+      <p:ext uri="{BB962C8B-B14F-4D97-AF65-F5344CB8AC3E}">
+        <p14:creationId xmlns:p14="http://schemas.microsoft.com/office/powerpoint/2010/main" val="858121257"/>
+      </p:ext>
+    </p:extLst>
+  </p:cSld>
+  <p:clrMapOvr>
+    <a:masterClrMapping/>
+  </p:clrMapOvr>
+</p:sld>
+</file>
+
+<file path=ppt/slides/slide5.xml><?xml version="1.0" encoding="utf-8"?>
+<p:sld xmlns:a="http://schemas.openxmlformats.org/drawingml/2006/main" xmlns:r="http://schemas.openxmlformats.org/officeDocument/2006/relationships" xmlns:p="http://schemas.openxmlformats.org/presentationml/2006/main">
+  <p:cSld>
+    <p:spTree>
+      <p:nvGrpSpPr>
+        <p:cNvPr id="1" name=""/>
+        <p:cNvGrpSpPr/>
+        <p:nvPr/>
+      </p:nvGrpSpPr>
+      <p:grpSpPr>
+        <a:xfrm>
+          <a:off x="0" y="0"/>
+          <a:ext cx="0" cy="0"/>
+          <a:chOff x="0" y="0"/>
+          <a:chExt cx="0" cy="0"/>
+        </a:xfrm>
+      </p:grpSpPr>
+      <p:grpSp>
+        <p:nvGrpSpPr>
+          <p:cNvPr id="4" name="그룹 3">
+            <a:extLst>
+              <a:ext uri="{FF2B5EF4-FFF2-40B4-BE49-F238E27FC236}">
+                <a16:creationId xmlns:a16="http://schemas.microsoft.com/office/drawing/2014/main" id="{9834DA37-F60D-4A94-94C8-F56722B2733B}"/>
+              </a:ext>
+            </a:extLst>
+          </p:cNvPr>
+          <p:cNvGrpSpPr/>
+          <p:nvPr/>
+        </p:nvGrpSpPr>
+        <p:grpSpPr>
+          <a:xfrm>
+            <a:off x="346229" y="356262"/>
+            <a:ext cx="1669002" cy="1925299"/>
+            <a:chOff x="346229" y="356262"/>
+            <a:chExt cx="2441360" cy="2823099"/>
+          </a:xfrm>
+        </p:grpSpPr>
+        <p:sp>
+          <p:nvSpPr>
+            <p:cNvPr id="24" name="직사각형 23">
+              <a:extLst>
+                <a:ext uri="{FF2B5EF4-FFF2-40B4-BE49-F238E27FC236}">
+                  <a16:creationId xmlns:a16="http://schemas.microsoft.com/office/drawing/2014/main" id="{F6DA23BF-76D8-4087-9D23-988ADD7B9CE9}"/>
+                </a:ext>
+              </a:extLst>
+            </p:cNvPr>
+            <p:cNvSpPr/>
+            <p:nvPr/>
+          </p:nvSpPr>
+          <p:spPr>
+            <a:xfrm>
+              <a:off x="346229" y="356262"/>
+              <a:ext cx="2441360" cy="2823099"/>
+            </a:xfrm>
+            <a:prstGeom prst="rect">
+              <a:avLst/>
+            </a:prstGeom>
+            <a:solidFill>
+              <a:schemeClr val="tx1">
+                <a:alpha val="71000"/>
+              </a:schemeClr>
+            </a:solidFill>
+            <a:ln>
+              <a:noFill/>
+            </a:ln>
+          </p:spPr>
+          <p:style>
+            <a:lnRef idx="2">
+              <a:schemeClr val="accent1">
+                <a:shade val="50000"/>
+              </a:schemeClr>
+            </a:lnRef>
+            <a:fillRef idx="1">
+              <a:schemeClr val="accent1"/>
+            </a:fillRef>
+            <a:effectRef idx="0">
+              <a:schemeClr val="accent1"/>
+            </a:effectRef>
+            <a:fontRef idx="minor">
+              <a:schemeClr val="lt1"/>
+            </a:fontRef>
+          </p:style>
+          <p:txBody>
+            <a:bodyPr rtlCol="0" anchor="ctr"/>
+            <a:lstStyle/>
+            <a:p>
+              <a:pPr algn="ctr"/>
+              <a:endParaRPr lang="ko-KR" altLang="en-US"/>
+            </a:p>
+          </p:txBody>
+        </p:sp>
+        <p:pic>
+          <p:nvPicPr>
+            <p:cNvPr id="3" name="그림 2">
+              <a:extLst>
+                <a:ext uri="{FF2B5EF4-FFF2-40B4-BE49-F238E27FC236}">
+                  <a16:creationId xmlns:a16="http://schemas.microsoft.com/office/drawing/2014/main" id="{5484A041-8227-4463-93D4-B13B28BA9262}"/>
+                </a:ext>
+              </a:extLst>
+            </p:cNvPr>
+            <p:cNvPicPr>
+              <a:picLocks noChangeAspect="1"/>
+            </p:cNvPicPr>
+            <p:nvPr/>
+          </p:nvPicPr>
+          <p:blipFill>
+            <a:blip r:embed="rId2">
+              <a:alphaModFix/>
+              <a:extLst>
+                <a:ext uri="{28A0092B-C50C-407E-A947-70E740481C1C}">
+                  <a14:useLocalDpi xmlns:a14="http://schemas.microsoft.com/office/drawing/2010/main" val="0"/>
+                </a:ext>
+              </a:extLst>
+            </a:blip>
+            <a:stretch>
+              <a:fillRect/>
+            </a:stretch>
+          </p:blipFill>
+          <p:spPr>
+            <a:xfrm>
+              <a:off x="611405" y="624096"/>
+              <a:ext cx="1882622" cy="2259146"/>
+            </a:xfrm>
+            <a:prstGeom prst="rect">
+              <a:avLst/>
+            </a:prstGeom>
+            <a:solidFill>
+              <a:schemeClr val="accent1"/>
+            </a:solidFill>
+          </p:spPr>
+        </p:pic>
+      </p:grpSp>
+      <p:pic>
+        <p:nvPicPr>
+          <p:cNvPr id="6" name="그림 5">
+            <a:extLst>
+              <a:ext uri="{FF2B5EF4-FFF2-40B4-BE49-F238E27FC236}">
+                <a16:creationId xmlns:a16="http://schemas.microsoft.com/office/drawing/2014/main" id="{C5DA4A96-B62E-40BF-8C2E-7090827CDD0C}"/>
+              </a:ext>
+            </a:extLst>
+          </p:cNvPr>
+          <p:cNvPicPr>
+            <a:picLocks noChangeAspect="1"/>
+          </p:cNvPicPr>
+          <p:nvPr/>
+        </p:nvPicPr>
+        <p:blipFill>
+          <a:blip r:embed="rId3"/>
+          <a:stretch>
+            <a:fillRect/>
+          </a:stretch>
+        </p:blipFill>
+        <p:spPr>
+          <a:xfrm>
+            <a:off x="1995746" y="2811010"/>
+            <a:ext cx="1847850" cy="2038350"/>
+          </a:xfrm>
+          <a:prstGeom prst="rect">
+            <a:avLst/>
+          </a:prstGeom>
+          <a:ln>
+            <a:solidFill>
+              <a:schemeClr val="tx1"/>
+            </a:solidFill>
+          </a:ln>
+        </p:spPr>
+      </p:pic>
+      <p:sp>
+        <p:nvSpPr>
+          <p:cNvPr id="5" name="직사각형 4">
+            <a:extLst>
+              <a:ext uri="{FF2B5EF4-FFF2-40B4-BE49-F238E27FC236}">
+                <a16:creationId xmlns:a16="http://schemas.microsoft.com/office/drawing/2014/main" id="{47DDCAC2-8774-4416-9A8F-ADF22929BBB3}"/>
+              </a:ext>
+            </a:extLst>
+          </p:cNvPr>
+          <p:cNvSpPr/>
+          <p:nvPr/>
+        </p:nvSpPr>
+        <p:spPr>
+          <a:xfrm>
+            <a:off x="4600113" y="3997357"/>
+            <a:ext cx="1882622" cy="2259146"/>
+          </a:xfrm>
+          <a:prstGeom prst="rect">
+            <a:avLst/>
+          </a:prstGeom>
+          <a:solidFill>
+            <a:schemeClr val="accent1">
+              <a:alpha val="71000"/>
+            </a:schemeClr>
+          </a:solidFill>
+          <a:ln>
+            <a:noFill/>
+          </a:ln>
+        </p:spPr>
+        <p:style>
+          <a:lnRef idx="2">
+            <a:schemeClr val="accent1">
+              <a:shade val="50000"/>
+            </a:schemeClr>
+          </a:lnRef>
+          <a:fillRef idx="1">
+            <a:schemeClr val="accent1"/>
+          </a:fillRef>
+          <a:effectRef idx="0">
+            <a:schemeClr val="accent1"/>
+          </a:effectRef>
+          <a:fontRef idx="minor">
+            <a:schemeClr val="lt1"/>
+          </a:fontRef>
+        </p:style>
+        <p:txBody>
+          <a:bodyPr rtlCol="0" anchor="ctr"/>
+          <a:lstStyle/>
+          <a:p>
+            <a:pPr algn="ctr"/>
+            <a:endParaRPr lang="ko-KR" altLang="en-US"/>
+          </a:p>
+        </p:txBody>
+      </p:sp>
+      <p:pic>
+        <p:nvPicPr>
+          <p:cNvPr id="7" name="그림 6">
+            <a:extLst>
+              <a:ext uri="{FF2B5EF4-FFF2-40B4-BE49-F238E27FC236}">
+                <a16:creationId xmlns:a16="http://schemas.microsoft.com/office/drawing/2014/main" id="{7880C267-1EEC-4ED1-A013-77FFA0CEC758}"/>
+              </a:ext>
+            </a:extLst>
+          </p:cNvPr>
+          <p:cNvPicPr>
+            <a:picLocks noChangeAspect="1"/>
+          </p:cNvPicPr>
+          <p:nvPr/>
+        </p:nvPicPr>
+        <p:blipFill>
+          <a:blip r:embed="rId2">
+            <a:alphaModFix/>
+            <a:extLst>
+              <a:ext uri="{28A0092B-C50C-407E-A947-70E740481C1C}">
+                <a14:useLocalDpi xmlns:a14="http://schemas.microsoft.com/office/drawing/2010/main" val="0"/>
+              </a:ext>
+            </a:extLst>
+          </a:blip>
+          <a:stretch>
+            <a:fillRect/>
+          </a:stretch>
+        </p:blipFill>
+        <p:spPr>
+          <a:xfrm rot="21094765">
+            <a:off x="4609258" y="3955852"/>
+            <a:ext cx="1882622" cy="2259146"/>
+          </a:xfrm>
+          <a:prstGeom prst="rect">
+            <a:avLst/>
+          </a:prstGeom>
+          <a:solidFill>
+            <a:schemeClr val="accent1"/>
+          </a:solidFill>
+        </p:spPr>
+      </p:pic>
+      <p:pic>
+        <p:nvPicPr>
+          <p:cNvPr id="2" name="그림 1">
+            <a:extLst>
+              <a:ext uri="{FF2B5EF4-FFF2-40B4-BE49-F238E27FC236}">
+                <a16:creationId xmlns:a16="http://schemas.microsoft.com/office/drawing/2014/main" id="{295D229C-07A2-42D5-84F5-16024F0D2887}"/>
+              </a:ext>
+            </a:extLst>
+          </p:cNvPr>
+          <p:cNvPicPr>
+            <a:picLocks noChangeAspect="1"/>
+          </p:cNvPicPr>
+          <p:nvPr/>
+        </p:nvPicPr>
+        <p:blipFill>
+          <a:blip r:embed="rId4"/>
+          <a:stretch>
+            <a:fillRect/>
+          </a:stretch>
+        </p:blipFill>
+        <p:spPr>
+          <a:xfrm>
+            <a:off x="9450695" y="3179361"/>
+            <a:ext cx="1990725" cy="2447925"/>
+          </a:xfrm>
+          <a:prstGeom prst="rect">
+            <a:avLst/>
+          </a:prstGeom>
+          <a:ln>
+            <a:solidFill>
+              <a:schemeClr val="tx1"/>
+            </a:solidFill>
+          </a:ln>
+        </p:spPr>
+      </p:pic>
+      <p:sp>
+        <p:nvSpPr>
+          <p:cNvPr id="8" name="직사각형 7">
+            <a:extLst>
+              <a:ext uri="{FF2B5EF4-FFF2-40B4-BE49-F238E27FC236}">
+                <a16:creationId xmlns:a16="http://schemas.microsoft.com/office/drawing/2014/main" id="{6C7214E2-1F39-472B-9E6A-0F97529DFBEA}"/>
+              </a:ext>
+            </a:extLst>
+          </p:cNvPr>
+          <p:cNvSpPr/>
+          <p:nvPr/>
+        </p:nvSpPr>
+        <p:spPr>
+          <a:xfrm>
+            <a:off x="2279067" y="1100790"/>
+            <a:ext cx="4642091" cy="416953"/>
+          </a:xfrm>
+          <a:prstGeom prst="rect">
+            <a:avLst/>
+          </a:prstGeom>
+          <a:noFill/>
+          <a:ln>
+            <a:noFill/>
+          </a:ln>
+        </p:spPr>
+        <p:style>
+          <a:lnRef idx="2">
+            <a:schemeClr val="accent1">
+              <a:shade val="50000"/>
+            </a:schemeClr>
+          </a:lnRef>
+          <a:fillRef idx="1">
+            <a:schemeClr val="accent1"/>
+          </a:fillRef>
+          <a:effectRef idx="0">
+            <a:schemeClr val="accent1"/>
+          </a:effectRef>
+          <a:fontRef idx="minor">
+            <a:schemeClr val="lt1"/>
+          </a:fontRef>
+        </p:style>
+        <p:txBody>
+          <a:bodyPr rtlCol="0" anchor="ctr"/>
+          <a:lstStyle/>
+          <a:p>
+            <a:r>
+              <a:rPr lang="en-US" altLang="ko-KR" dirty="0">
+                <a:solidFill>
+                  <a:schemeClr val="tx1"/>
+                </a:solidFill>
+                <a:latin typeface="KoPubWorld돋움체 Bold" panose="00000800000000000000" pitchFamily="2" charset="-127"/>
+                <a:ea typeface="KoPubWorld돋움체 Bold" panose="00000800000000000000" pitchFamily="2" charset="-127"/>
+                <a:cs typeface="KoPubWorld돋움체 Bold" panose="00000800000000000000" pitchFamily="2" charset="-127"/>
+              </a:rPr>
+              <a:t>1. </a:t>
+            </a:r>
+            <a:r>
+              <a:rPr lang="ko-KR" altLang="en-US" dirty="0">
+                <a:solidFill>
+                  <a:schemeClr val="tx1"/>
+                </a:solidFill>
+                <a:latin typeface="KoPubWorld돋움체 Bold" panose="00000800000000000000" pitchFamily="2" charset="-127"/>
+                <a:ea typeface="KoPubWorld돋움체 Bold" panose="00000800000000000000" pitchFamily="2" charset="-127"/>
+                <a:cs typeface="KoPubWorld돋움체 Bold" panose="00000800000000000000" pitchFamily="2" charset="-127"/>
+              </a:rPr>
+              <a:t>카드가 프레임</a:t>
+            </a:r>
+            <a:r>
+              <a:rPr lang="en-US" altLang="ko-KR" dirty="0">
+                <a:solidFill>
+                  <a:schemeClr val="tx1"/>
+                </a:solidFill>
+                <a:latin typeface="KoPubWorld돋움체 Bold" panose="00000800000000000000" pitchFamily="2" charset="-127"/>
+                <a:ea typeface="KoPubWorld돋움체 Bold" panose="00000800000000000000" pitchFamily="2" charset="-127"/>
+                <a:cs typeface="KoPubWorld돋움체 Bold" panose="00000800000000000000" pitchFamily="2" charset="-127"/>
+              </a:rPr>
+              <a:t> </a:t>
+            </a:r>
+            <a:r>
+              <a:rPr lang="ko-KR" altLang="en-US" dirty="0">
+                <a:solidFill>
+                  <a:schemeClr val="tx1"/>
+                </a:solidFill>
+                <a:latin typeface="KoPubWorld돋움체 Bold" panose="00000800000000000000" pitchFamily="2" charset="-127"/>
+                <a:ea typeface="KoPubWorld돋움체 Bold" panose="00000800000000000000" pitchFamily="2" charset="-127"/>
+                <a:cs typeface="KoPubWorld돋움체 Bold" panose="00000800000000000000" pitchFamily="2" charset="-127"/>
+              </a:rPr>
+              <a:t>내부에 있다</a:t>
+            </a:r>
+            <a:r>
+              <a:rPr lang="en-US" altLang="ko-KR" dirty="0">
+                <a:solidFill>
+                  <a:schemeClr val="tx1"/>
+                </a:solidFill>
+                <a:latin typeface="KoPubWorld돋움체 Bold" panose="00000800000000000000" pitchFamily="2" charset="-127"/>
+                <a:ea typeface="KoPubWorld돋움체 Bold" panose="00000800000000000000" pitchFamily="2" charset="-127"/>
+                <a:cs typeface="KoPubWorld돋움체 Bold" panose="00000800000000000000" pitchFamily="2" charset="-127"/>
+              </a:rPr>
+              <a:t>.</a:t>
+            </a:r>
+            <a:endParaRPr lang="ko-KR" altLang="en-US" dirty="0">
+              <a:solidFill>
+                <a:schemeClr val="tx1"/>
+              </a:solidFill>
+              <a:latin typeface="KoPubWorld돋움체 Bold" panose="00000800000000000000" pitchFamily="2" charset="-127"/>
+              <a:ea typeface="KoPubWorld돋움체 Bold" panose="00000800000000000000" pitchFamily="2" charset="-127"/>
+              <a:cs typeface="KoPubWorld돋움체 Bold" panose="00000800000000000000" pitchFamily="2" charset="-127"/>
+            </a:endParaRPr>
+          </a:p>
+        </p:txBody>
+      </p:sp>
+    </p:spTree>
+    <p:extLst>
+      <p:ext uri="{BB962C8B-B14F-4D97-AF65-F5344CB8AC3E}">
+        <p14:creationId xmlns:p14="http://schemas.microsoft.com/office/powerpoint/2010/main" val="1344160809"/>
+      </p:ext>
+    </p:extLst>
+  </p:cSld>
+  <p:clrMapOvr>
+    <a:masterClrMapping/>
+  </p:clrMapOvr>
+</p:sld>
+</file>
+
+<file path=ppt/slides/slide6.xml><?xml version="1.0" encoding="utf-8"?>
+<p:sld xmlns:a="http://schemas.openxmlformats.org/drawingml/2006/main" xmlns:r="http://schemas.openxmlformats.org/officeDocument/2006/relationships" xmlns:p="http://schemas.openxmlformats.org/presentationml/2006/main">
+  <p:cSld>
+    <p:spTree>
+      <p:nvGrpSpPr>
+        <p:cNvPr id="1" name=""/>
+        <p:cNvGrpSpPr/>
+        <p:nvPr/>
+      </p:nvGrpSpPr>
+      <p:grpSpPr>
+        <a:xfrm>
+          <a:off x="0" y="0"/>
+          <a:ext cx="0" cy="0"/>
+          <a:chOff x="0" y="0"/>
+          <a:chExt cx="0" cy="0"/>
+        </a:xfrm>
+      </p:grpSpPr>
+      <p:pic>
+        <p:nvPicPr>
+          <p:cNvPr id="6" name="그림 5">
+            <a:extLst>
+              <a:ext uri="{FF2B5EF4-FFF2-40B4-BE49-F238E27FC236}">
+                <a16:creationId xmlns:a16="http://schemas.microsoft.com/office/drawing/2014/main" id="{C5DA4A96-B62E-40BF-8C2E-7090827CDD0C}"/>
+              </a:ext>
+            </a:extLst>
+          </p:cNvPr>
+          <p:cNvPicPr>
+            <a:picLocks noChangeAspect="1"/>
+          </p:cNvPicPr>
+          <p:nvPr/>
+        </p:nvPicPr>
+        <p:blipFill>
+          <a:blip r:embed="rId2"/>
+          <a:stretch>
+            <a:fillRect/>
+          </a:stretch>
+        </p:blipFill>
+        <p:spPr>
+          <a:xfrm>
+            <a:off x="8643350" y="2472431"/>
+            <a:ext cx="1551549" cy="1711502"/>
+          </a:xfrm>
+          <a:prstGeom prst="rect">
+            <a:avLst/>
+          </a:prstGeom>
+          <a:ln>
+            <a:solidFill>
+              <a:schemeClr val="tx1"/>
+            </a:solidFill>
+          </a:ln>
+        </p:spPr>
+      </p:pic>
+      <p:pic>
+        <p:nvPicPr>
+          <p:cNvPr id="2" name="그림 1">
+            <a:extLst>
+              <a:ext uri="{FF2B5EF4-FFF2-40B4-BE49-F238E27FC236}">
+                <a16:creationId xmlns:a16="http://schemas.microsoft.com/office/drawing/2014/main" id="{295D229C-07A2-42D5-84F5-16024F0D2887}"/>
+              </a:ext>
+            </a:extLst>
+          </p:cNvPr>
+          <p:cNvPicPr>
+            <a:picLocks noChangeAspect="1"/>
+          </p:cNvPicPr>
+          <p:nvPr/>
+        </p:nvPicPr>
+        <p:blipFill>
+          <a:blip r:embed="rId3"/>
+          <a:stretch>
+            <a:fillRect/>
+          </a:stretch>
+        </p:blipFill>
+        <p:spPr>
+          <a:xfrm>
+            <a:off x="7086332" y="2472431"/>
+            <a:ext cx="1391844" cy="1711502"/>
+          </a:xfrm>
+          <a:prstGeom prst="rect">
+            <a:avLst/>
+          </a:prstGeom>
+          <a:ln>
+            <a:solidFill>
+              <a:schemeClr val="tx1"/>
+            </a:solidFill>
+          </a:ln>
+        </p:spPr>
+      </p:pic>
+      <p:sp>
+        <p:nvSpPr>
+          <p:cNvPr id="8" name="직사각형 7">
+            <a:extLst>
+              <a:ext uri="{FF2B5EF4-FFF2-40B4-BE49-F238E27FC236}">
+                <a16:creationId xmlns:a16="http://schemas.microsoft.com/office/drawing/2014/main" id="{6C7214E2-1F39-472B-9E6A-0F97529DFBEA}"/>
+              </a:ext>
+            </a:extLst>
+          </p:cNvPr>
+          <p:cNvSpPr/>
+          <p:nvPr/>
+        </p:nvSpPr>
+        <p:spPr>
+          <a:xfrm>
+            <a:off x="1596115" y="850158"/>
+            <a:ext cx="7015853" cy="3028469"/>
+          </a:xfrm>
+          <a:prstGeom prst="rect">
+            <a:avLst/>
+          </a:prstGeom>
+          <a:noFill/>
+          <a:ln>
+            <a:noFill/>
+          </a:ln>
+        </p:spPr>
+        <p:style>
+          <a:lnRef idx="2">
+            <a:schemeClr val="accent1">
+              <a:shade val="50000"/>
+            </a:schemeClr>
+          </a:lnRef>
+          <a:fillRef idx="1">
+            <a:schemeClr val="accent1"/>
+          </a:fillRef>
+          <a:effectRef idx="0">
+            <a:schemeClr val="accent1"/>
+          </a:effectRef>
+          <a:fontRef idx="minor">
+            <a:schemeClr val="lt1"/>
+          </a:fontRef>
+        </p:style>
+        <p:txBody>
+          <a:bodyPr rtlCol="0" anchor="ctr"/>
+          <a:lstStyle/>
+          <a:p>
+            <a:pPr marL="342900" indent="-342900">
+              <a:buAutoNum type="arabicPeriod"/>
+            </a:pPr>
+            <a:r>
+              <a:rPr lang="ko-KR" altLang="en-US" dirty="0">
+                <a:solidFill>
+                  <a:schemeClr val="tx1"/>
+                </a:solidFill>
+                <a:latin typeface="KoPubWorld돋움체 Bold" panose="00000800000000000000" pitchFamily="2" charset="-127"/>
+                <a:ea typeface="KoPubWorld돋움체 Bold" panose="00000800000000000000" pitchFamily="2" charset="-127"/>
+                <a:cs typeface="KoPubWorld돋움체 Bold" panose="00000800000000000000" pitchFamily="2" charset="-127"/>
+              </a:rPr>
+              <a:t>프레임과 카드의 관계</a:t>
+            </a:r>
+            <a:endParaRPr lang="en-US" altLang="ko-KR" dirty="0">
+              <a:solidFill>
+                <a:schemeClr val="tx1"/>
+              </a:solidFill>
+              <a:latin typeface="KoPubWorld돋움체 Bold" panose="00000800000000000000" pitchFamily="2" charset="-127"/>
+              <a:ea typeface="KoPubWorld돋움체 Bold" panose="00000800000000000000" pitchFamily="2" charset="-127"/>
+              <a:cs typeface="KoPubWorld돋움체 Bold" panose="00000800000000000000" pitchFamily="2" charset="-127"/>
+            </a:endParaRPr>
+          </a:p>
+          <a:p>
+            <a:pPr marL="800100" lvl="1" indent="-342900">
+              <a:buFont typeface="+mj-lt"/>
+              <a:buAutoNum type="arabicParenR"/>
+            </a:pPr>
+            <a:r>
+              <a:rPr lang="ko-KR" altLang="en-US" dirty="0">
+                <a:solidFill>
+                  <a:schemeClr val="tx1"/>
+                </a:solidFill>
+                <a:latin typeface="KoPubWorld돋움체 Bold" panose="00000800000000000000" pitchFamily="2" charset="-127"/>
+                <a:ea typeface="KoPubWorld돋움체 Bold" panose="00000800000000000000" pitchFamily="2" charset="-127"/>
+                <a:cs typeface="KoPubWorld돋움체 Bold" panose="00000800000000000000" pitchFamily="2" charset="-127"/>
+              </a:rPr>
+              <a:t>프레임이 카드보다 크다</a:t>
+            </a:r>
+            <a:r>
+              <a:rPr lang="en-US" altLang="ko-KR" dirty="0">
+                <a:solidFill>
+                  <a:schemeClr val="tx1"/>
+                </a:solidFill>
+                <a:latin typeface="KoPubWorld돋움체 Bold" panose="00000800000000000000" pitchFamily="2" charset="-127"/>
+                <a:ea typeface="KoPubWorld돋움체 Bold" panose="00000800000000000000" pitchFamily="2" charset="-127"/>
+                <a:cs typeface="KoPubWorld돋움체 Bold" panose="00000800000000000000" pitchFamily="2" charset="-127"/>
+              </a:rPr>
+              <a:t>.</a:t>
+            </a:r>
+          </a:p>
+          <a:p>
+            <a:pPr marL="800100" lvl="1" indent="-342900">
+              <a:buFont typeface="+mj-lt"/>
+              <a:buAutoNum type="arabicParenR"/>
+            </a:pPr>
+            <a:r>
+              <a:rPr lang="ko-KR" altLang="en-US" dirty="0">
+                <a:solidFill>
+                  <a:schemeClr val="tx1"/>
+                </a:solidFill>
+                <a:latin typeface="KoPubWorld돋움체 Bold" panose="00000800000000000000" pitchFamily="2" charset="-127"/>
+                <a:ea typeface="KoPubWorld돋움체 Bold" panose="00000800000000000000" pitchFamily="2" charset="-127"/>
+                <a:cs typeface="KoPubWorld돋움체 Bold" panose="00000800000000000000" pitchFamily="2" charset="-127"/>
+              </a:rPr>
+              <a:t>프레임이 카드 크기와 같다</a:t>
+            </a:r>
+            <a:r>
+              <a:rPr lang="en-US" altLang="ko-KR" dirty="0">
+                <a:solidFill>
+                  <a:schemeClr val="tx1"/>
+                </a:solidFill>
+                <a:latin typeface="KoPubWorld돋움체 Bold" panose="00000800000000000000" pitchFamily="2" charset="-127"/>
+                <a:ea typeface="KoPubWorld돋움체 Bold" panose="00000800000000000000" pitchFamily="2" charset="-127"/>
+                <a:cs typeface="KoPubWorld돋움체 Bold" panose="00000800000000000000" pitchFamily="2" charset="-127"/>
+              </a:rPr>
+              <a:t>.</a:t>
+            </a:r>
+          </a:p>
+          <a:p>
+            <a:pPr marL="800100" lvl="1" indent="-342900">
+              <a:buFont typeface="+mj-lt"/>
+              <a:buAutoNum type="arabicParenR"/>
+            </a:pPr>
+            <a:r>
+              <a:rPr lang="ko-KR" altLang="en-US" dirty="0">
+                <a:solidFill>
+                  <a:schemeClr val="tx1"/>
+                </a:solidFill>
+                <a:latin typeface="KoPubWorld돋움체 Bold" panose="00000800000000000000" pitchFamily="2" charset="-127"/>
+                <a:ea typeface="KoPubWorld돋움체 Bold" panose="00000800000000000000" pitchFamily="2" charset="-127"/>
+                <a:cs typeface="KoPubWorld돋움체 Bold" panose="00000800000000000000" pitchFamily="2" charset="-127"/>
+              </a:rPr>
+              <a:t>프레임이 카드 크기보다 작다</a:t>
+            </a:r>
+            <a:r>
+              <a:rPr lang="en-US" altLang="ko-KR" dirty="0">
+                <a:solidFill>
+                  <a:schemeClr val="tx1"/>
+                </a:solidFill>
+                <a:latin typeface="KoPubWorld돋움체 Bold" panose="00000800000000000000" pitchFamily="2" charset="-127"/>
+                <a:ea typeface="KoPubWorld돋움체 Bold" panose="00000800000000000000" pitchFamily="2" charset="-127"/>
+                <a:cs typeface="KoPubWorld돋움체 Bold" panose="00000800000000000000" pitchFamily="2" charset="-127"/>
+              </a:rPr>
+              <a:t>.</a:t>
+            </a:r>
+          </a:p>
+          <a:p>
+            <a:pPr lvl="1"/>
+            <a:endParaRPr lang="en-US" altLang="ko-KR" dirty="0">
+              <a:solidFill>
+                <a:schemeClr val="tx1"/>
+              </a:solidFill>
+              <a:latin typeface="KoPubWorld돋움체 Bold" panose="00000800000000000000" pitchFamily="2" charset="-127"/>
+              <a:ea typeface="KoPubWorld돋움체 Bold" panose="00000800000000000000" pitchFamily="2" charset="-127"/>
+              <a:cs typeface="KoPubWorld돋움체 Bold" panose="00000800000000000000" pitchFamily="2" charset="-127"/>
+            </a:endParaRPr>
+          </a:p>
+          <a:p>
+            <a:pPr marL="342900" indent="-342900">
+              <a:buFont typeface="+mj-lt"/>
+              <a:buAutoNum type="arabicPeriod"/>
+            </a:pPr>
+            <a:r>
+              <a:rPr lang="ko-KR" altLang="en-US" dirty="0">
+                <a:solidFill>
+                  <a:schemeClr val="tx1"/>
+                </a:solidFill>
+                <a:latin typeface="KoPubWorld돋움체 Bold" panose="00000800000000000000" pitchFamily="2" charset="-127"/>
+                <a:ea typeface="KoPubWorld돋움체 Bold" panose="00000800000000000000" pitchFamily="2" charset="-127"/>
+                <a:cs typeface="KoPubWorld돋움체 Bold" panose="00000800000000000000" pitchFamily="2" charset="-127"/>
+              </a:rPr>
+              <a:t>카드의 오차</a:t>
+            </a:r>
+            <a:r>
+              <a:rPr lang="en-US" altLang="ko-KR" dirty="0">
+                <a:solidFill>
+                  <a:schemeClr val="tx1"/>
+                </a:solidFill>
+                <a:latin typeface="KoPubWorld돋움체 Bold" panose="00000800000000000000" pitchFamily="2" charset="-127"/>
+                <a:ea typeface="KoPubWorld돋움체 Bold" panose="00000800000000000000" pitchFamily="2" charset="-127"/>
+                <a:cs typeface="KoPubWorld돋움체 Bold" panose="00000800000000000000" pitchFamily="2" charset="-127"/>
+              </a:rPr>
+              <a:t>?</a:t>
+            </a:r>
+          </a:p>
+          <a:p>
+            <a:pPr marL="800100" lvl="1" indent="-342900">
+              <a:buFont typeface="+mj-lt"/>
+              <a:buAutoNum type="arabicParenR"/>
+            </a:pPr>
+            <a:r>
+              <a:rPr lang="ko-KR" altLang="en-US" dirty="0">
+                <a:solidFill>
+                  <a:schemeClr val="tx1"/>
+                </a:solidFill>
+                <a:latin typeface="KoPubWorld돋움체 Bold" panose="00000800000000000000" pitchFamily="2" charset="-127"/>
+                <a:ea typeface="KoPubWorld돋움체 Bold" panose="00000800000000000000" pitchFamily="2" charset="-127"/>
+                <a:cs typeface="KoPubWorld돋움체 Bold" panose="00000800000000000000" pitchFamily="2" charset="-127"/>
+              </a:rPr>
+              <a:t>카드가 평행이동을 해서 들어온다</a:t>
+            </a:r>
+            <a:r>
+              <a:rPr lang="en-US" altLang="ko-KR" dirty="0">
+                <a:solidFill>
+                  <a:schemeClr val="tx1"/>
+                </a:solidFill>
+                <a:latin typeface="KoPubWorld돋움체 Bold" panose="00000800000000000000" pitchFamily="2" charset="-127"/>
+                <a:ea typeface="KoPubWorld돋움체 Bold" panose="00000800000000000000" pitchFamily="2" charset="-127"/>
+                <a:cs typeface="KoPubWorld돋움체 Bold" panose="00000800000000000000" pitchFamily="2" charset="-127"/>
+              </a:rPr>
+              <a:t>.</a:t>
+            </a:r>
+          </a:p>
+          <a:p>
+            <a:pPr marL="800100" lvl="1" indent="-342900">
+              <a:buFont typeface="+mj-lt"/>
+              <a:buAutoNum type="arabicParenR"/>
+            </a:pPr>
+            <a:r>
+              <a:rPr lang="ko-KR" altLang="en-US" dirty="0">
+                <a:solidFill>
+                  <a:schemeClr val="tx1"/>
+                </a:solidFill>
+                <a:latin typeface="KoPubWorld돋움체 Bold" panose="00000800000000000000" pitchFamily="2" charset="-127"/>
+                <a:ea typeface="KoPubWorld돋움체 Bold" panose="00000800000000000000" pitchFamily="2" charset="-127"/>
+                <a:cs typeface="KoPubWorld돋움체 Bold" panose="00000800000000000000" pitchFamily="2" charset="-127"/>
+              </a:rPr>
+              <a:t>카드가 회전을 해서 들어온다</a:t>
+            </a:r>
+            <a:r>
+              <a:rPr lang="en-US" altLang="ko-KR" dirty="0">
+                <a:solidFill>
+                  <a:schemeClr val="tx1"/>
+                </a:solidFill>
+                <a:latin typeface="KoPubWorld돋움체 Bold" panose="00000800000000000000" pitchFamily="2" charset="-127"/>
+                <a:ea typeface="KoPubWorld돋움체 Bold" panose="00000800000000000000" pitchFamily="2" charset="-127"/>
+                <a:cs typeface="KoPubWorld돋움체 Bold" panose="00000800000000000000" pitchFamily="2" charset="-127"/>
+              </a:rPr>
+              <a:t>.</a:t>
+            </a:r>
+          </a:p>
+          <a:p>
+            <a:pPr marL="800100" lvl="1" indent="-342900">
+              <a:buFont typeface="+mj-lt"/>
+              <a:buAutoNum type="arabicParenR"/>
+            </a:pPr>
+            <a:r>
+              <a:rPr lang="ko-KR" altLang="en-US" dirty="0">
+                <a:solidFill>
+                  <a:schemeClr val="tx1"/>
+                </a:solidFill>
+                <a:latin typeface="KoPubWorld돋움체 Bold" panose="00000800000000000000" pitchFamily="2" charset="-127"/>
+                <a:ea typeface="KoPubWorld돋움체 Bold" panose="00000800000000000000" pitchFamily="2" charset="-127"/>
+                <a:cs typeface="KoPubWorld돋움체 Bold" panose="00000800000000000000" pitchFamily="2" charset="-127"/>
+              </a:rPr>
+              <a:t>카드가 평행이동과 회전을 둘 다 겪고 들어온다</a:t>
+            </a:r>
+            <a:r>
+              <a:rPr lang="en-US" altLang="ko-KR" dirty="0">
+                <a:solidFill>
+                  <a:schemeClr val="tx1"/>
+                </a:solidFill>
+                <a:latin typeface="KoPubWorld돋움체 Bold" panose="00000800000000000000" pitchFamily="2" charset="-127"/>
+                <a:ea typeface="KoPubWorld돋움체 Bold" panose="00000800000000000000" pitchFamily="2" charset="-127"/>
+                <a:cs typeface="KoPubWorld돋움체 Bold" panose="00000800000000000000" pitchFamily="2" charset="-127"/>
+              </a:rPr>
+              <a:t>.</a:t>
+            </a:r>
+            <a:r>
+              <a:rPr lang="ko-KR" altLang="en-US" dirty="0">
+                <a:solidFill>
+                  <a:schemeClr val="tx1"/>
+                </a:solidFill>
+                <a:latin typeface="KoPubWorld돋움체 Bold" panose="00000800000000000000" pitchFamily="2" charset="-127"/>
+                <a:ea typeface="KoPubWorld돋움체 Bold" panose="00000800000000000000" pitchFamily="2" charset="-127"/>
+                <a:cs typeface="KoPubWorld돋움체 Bold" panose="00000800000000000000" pitchFamily="2" charset="-127"/>
+              </a:rPr>
+              <a:t> </a:t>
+            </a:r>
+          </a:p>
+        </p:txBody>
+      </p:sp>
+      <p:sp>
+        <p:nvSpPr>
+          <p:cNvPr id="11" name="직사각형 10">
+            <a:extLst>
+              <a:ext uri="{FF2B5EF4-FFF2-40B4-BE49-F238E27FC236}">
+                <a16:creationId xmlns:a16="http://schemas.microsoft.com/office/drawing/2014/main" id="{AED9FECB-8B89-4BDA-BB81-AA54C702C41C}"/>
+              </a:ext>
+            </a:extLst>
+          </p:cNvPr>
+          <p:cNvSpPr/>
+          <p:nvPr/>
+        </p:nvSpPr>
+        <p:spPr>
+          <a:xfrm>
+            <a:off x="6989685" y="495966"/>
+            <a:ext cx="1242874" cy="1472538"/>
+          </a:xfrm>
+          <a:prstGeom prst="rect">
+            <a:avLst/>
+          </a:prstGeom>
+          <a:solidFill>
+            <a:schemeClr val="accent1">
+              <a:alpha val="71000"/>
+            </a:schemeClr>
+          </a:solidFill>
+          <a:ln>
+            <a:noFill/>
+          </a:ln>
+        </p:spPr>
+        <p:style>
+          <a:lnRef idx="2">
+            <a:schemeClr val="accent1">
+              <a:shade val="50000"/>
+            </a:schemeClr>
+          </a:lnRef>
+          <a:fillRef idx="1">
+            <a:schemeClr val="accent1"/>
+          </a:fillRef>
+          <a:effectRef idx="0">
+            <a:schemeClr val="accent1"/>
+          </a:effectRef>
+          <a:fontRef idx="minor">
+            <a:schemeClr val="lt1"/>
+          </a:fontRef>
+        </p:style>
+        <p:txBody>
+          <a:bodyPr rtlCol="0" anchor="ctr"/>
+          <a:lstStyle/>
+          <a:p>
+            <a:pPr algn="ctr"/>
+            <a:endParaRPr lang="ko-KR" altLang="en-US"/>
+          </a:p>
+        </p:txBody>
+      </p:sp>
+      <p:pic>
+        <p:nvPicPr>
+          <p:cNvPr id="12" name="그림 11">
+            <a:extLst>
+              <a:ext uri="{FF2B5EF4-FFF2-40B4-BE49-F238E27FC236}">
+                <a16:creationId xmlns:a16="http://schemas.microsoft.com/office/drawing/2014/main" id="{312D38B0-002A-478A-8B26-134F9957943D}"/>
+              </a:ext>
+            </a:extLst>
+          </p:cNvPr>
+          <p:cNvPicPr>
+            <a:picLocks noChangeAspect="1"/>
+          </p:cNvPicPr>
+          <p:nvPr/>
+        </p:nvPicPr>
+        <p:blipFill>
+          <a:blip r:embed="rId4">
+            <a:alphaModFix/>
+            <a:extLst>
+              <a:ext uri="{28A0092B-C50C-407E-A947-70E740481C1C}">
+                <a14:useLocalDpi xmlns:a14="http://schemas.microsoft.com/office/drawing/2010/main" val="0"/>
+              </a:ext>
+            </a:extLst>
+          </a:blip>
+          <a:stretch>
+            <a:fillRect/>
+          </a:stretch>
+        </p:blipFill>
+        <p:spPr>
+          <a:xfrm>
+            <a:off x="7124684" y="635669"/>
+            <a:ext cx="958426" cy="1178378"/>
+          </a:xfrm>
+          <a:prstGeom prst="rect">
+            <a:avLst/>
+          </a:prstGeom>
+          <a:solidFill>
+            <a:schemeClr val="accent1"/>
+          </a:solidFill>
+        </p:spPr>
+      </p:pic>
+      <p:sp>
+        <p:nvSpPr>
+          <p:cNvPr id="26" name="직사각형 25">
+            <a:extLst>
+              <a:ext uri="{FF2B5EF4-FFF2-40B4-BE49-F238E27FC236}">
+                <a16:creationId xmlns:a16="http://schemas.microsoft.com/office/drawing/2014/main" id="{8AD8487A-BEF6-478C-89B2-881F596DF7F8}"/>
+              </a:ext>
+            </a:extLst>
+          </p:cNvPr>
+          <p:cNvSpPr/>
+          <p:nvPr/>
+        </p:nvSpPr>
+        <p:spPr>
+          <a:xfrm>
+            <a:off x="2279067" y="2353092"/>
+            <a:ext cx="4642091" cy="1349447"/>
+          </a:xfrm>
+          <a:prstGeom prst="rect">
+            <a:avLst/>
+          </a:prstGeom>
+          <a:noFill/>
+          <a:ln>
+            <a:noFill/>
+          </a:ln>
+        </p:spPr>
+        <p:style>
+          <a:lnRef idx="2">
+            <a:schemeClr val="accent1">
+              <a:shade val="50000"/>
+            </a:schemeClr>
+          </a:lnRef>
+          <a:fillRef idx="1">
+            <a:schemeClr val="accent1"/>
+          </a:fillRef>
+          <a:effectRef idx="0">
+            <a:schemeClr val="accent1"/>
+          </a:effectRef>
+          <a:fontRef idx="minor">
+            <a:schemeClr val="lt1"/>
+          </a:fontRef>
+        </p:style>
+        <p:txBody>
+          <a:bodyPr rtlCol="0" anchor="ctr"/>
+          <a:lstStyle/>
+          <a:p>
+            <a:endParaRPr lang="ko-KR" altLang="en-US" dirty="0">
+              <a:solidFill>
+                <a:schemeClr val="tx1"/>
+              </a:solidFill>
+              <a:latin typeface="KoPubWorld돋움체 Bold" panose="00000800000000000000" pitchFamily="2" charset="-127"/>
+              <a:ea typeface="KoPubWorld돋움체 Bold" panose="00000800000000000000" pitchFamily="2" charset="-127"/>
+              <a:cs typeface="KoPubWorld돋움체 Bold" panose="00000800000000000000" pitchFamily="2" charset="-127"/>
+            </a:endParaRPr>
+          </a:p>
+        </p:txBody>
+      </p:sp>
+      <p:pic>
+        <p:nvPicPr>
+          <p:cNvPr id="13" name="그림 12">
+            <a:extLst>
+              <a:ext uri="{FF2B5EF4-FFF2-40B4-BE49-F238E27FC236}">
+                <a16:creationId xmlns:a16="http://schemas.microsoft.com/office/drawing/2014/main" id="{AAE6D7E4-63BA-45A9-A1B7-0B71CBF13745}"/>
+              </a:ext>
+            </a:extLst>
+          </p:cNvPr>
+          <p:cNvPicPr>
+            <a:picLocks noChangeAspect="1"/>
+          </p:cNvPicPr>
+          <p:nvPr/>
+        </p:nvPicPr>
+        <p:blipFill>
+          <a:blip r:embed="rId5"/>
+          <a:stretch>
+            <a:fillRect/>
+          </a:stretch>
+        </p:blipFill>
+        <p:spPr>
+          <a:xfrm>
+            <a:off x="10360073" y="2434610"/>
+            <a:ext cx="1429473" cy="1719413"/>
+          </a:xfrm>
+          <a:prstGeom prst="rect">
+            <a:avLst/>
+          </a:prstGeom>
+          <a:ln>
+            <a:solidFill>
+              <a:schemeClr val="tx1"/>
+            </a:solidFill>
+          </a:ln>
+        </p:spPr>
+      </p:pic>
+      <p:sp>
+        <p:nvSpPr>
+          <p:cNvPr id="27" name="직사각형 26">
+            <a:extLst>
+              <a:ext uri="{FF2B5EF4-FFF2-40B4-BE49-F238E27FC236}">
+                <a16:creationId xmlns:a16="http://schemas.microsoft.com/office/drawing/2014/main" id="{9F1D09B0-F741-4D46-9289-3C6C4AE084E9}"/>
+              </a:ext>
+            </a:extLst>
+          </p:cNvPr>
+          <p:cNvSpPr/>
+          <p:nvPr/>
+        </p:nvSpPr>
+        <p:spPr>
+          <a:xfrm>
+            <a:off x="2431467" y="2505492"/>
+            <a:ext cx="4642091" cy="1349447"/>
+          </a:xfrm>
+          <a:prstGeom prst="rect">
+            <a:avLst/>
+          </a:prstGeom>
+          <a:noFill/>
+          <a:ln>
+            <a:noFill/>
+          </a:ln>
+        </p:spPr>
+        <p:style>
+          <a:lnRef idx="2">
+            <a:schemeClr val="accent1">
+              <a:shade val="50000"/>
+            </a:schemeClr>
+          </a:lnRef>
+          <a:fillRef idx="1">
+            <a:schemeClr val="accent1"/>
+          </a:fillRef>
+          <a:effectRef idx="0">
+            <a:schemeClr val="accent1"/>
+          </a:effectRef>
+          <a:fontRef idx="minor">
+            <a:schemeClr val="lt1"/>
+          </a:fontRef>
+        </p:style>
+        <p:txBody>
+          <a:bodyPr rtlCol="0" anchor="ctr"/>
+          <a:lstStyle/>
+          <a:p>
+            <a:endParaRPr lang="ko-KR" altLang="en-US" dirty="0">
+              <a:solidFill>
+                <a:schemeClr val="tx1"/>
+              </a:solidFill>
+              <a:latin typeface="KoPubWorld돋움체 Bold" panose="00000800000000000000" pitchFamily="2" charset="-127"/>
+              <a:ea typeface="KoPubWorld돋움체 Bold" panose="00000800000000000000" pitchFamily="2" charset="-127"/>
+              <a:cs typeface="KoPubWorld돋움체 Bold" panose="00000800000000000000" pitchFamily="2" charset="-127"/>
+            </a:endParaRPr>
+          </a:p>
+        </p:txBody>
+      </p:sp>
+      <p:sp>
+        <p:nvSpPr>
+          <p:cNvPr id="28" name="직사각형 27">
+            <a:extLst>
+              <a:ext uri="{FF2B5EF4-FFF2-40B4-BE49-F238E27FC236}">
+                <a16:creationId xmlns:a16="http://schemas.microsoft.com/office/drawing/2014/main" id="{C6953636-0165-4751-A709-E26390472D11}"/>
+              </a:ext>
+            </a:extLst>
+          </p:cNvPr>
+          <p:cNvSpPr/>
+          <p:nvPr/>
+        </p:nvSpPr>
+        <p:spPr>
+          <a:xfrm>
+            <a:off x="1216706" y="4912393"/>
+            <a:ext cx="7015853" cy="824838"/>
+          </a:xfrm>
+          <a:prstGeom prst="rect">
+            <a:avLst/>
+          </a:prstGeom>
+          <a:noFill/>
+          <a:ln>
+            <a:noFill/>
+          </a:ln>
+        </p:spPr>
+        <p:style>
+          <a:lnRef idx="2">
+            <a:schemeClr val="accent1">
+              <a:shade val="50000"/>
+            </a:schemeClr>
+          </a:lnRef>
+          <a:fillRef idx="1">
+            <a:schemeClr val="accent1"/>
+          </a:fillRef>
+          <a:effectRef idx="0">
+            <a:schemeClr val="accent1"/>
+          </a:effectRef>
+          <a:fontRef idx="minor">
+            <a:schemeClr val="lt1"/>
+          </a:fontRef>
+        </p:style>
+        <p:txBody>
+          <a:bodyPr rtlCol="0" anchor="t"/>
+          <a:lstStyle/>
+          <a:p>
+            <a:r>
+              <a:rPr lang="ko-KR" altLang="en-US" dirty="0">
+                <a:solidFill>
+                  <a:schemeClr val="tx1"/>
+                </a:solidFill>
+                <a:latin typeface="KoPubWorld돋움체 Bold" panose="00000800000000000000" pitchFamily="2" charset="-127"/>
+                <a:ea typeface="KoPubWorld돋움체 Bold" panose="00000800000000000000" pitchFamily="2" charset="-127"/>
+                <a:cs typeface="KoPubWorld돋움체 Bold" panose="00000800000000000000" pitchFamily="2" charset="-127"/>
+              </a:rPr>
+              <a:t>카드 오차 </a:t>
+            </a:r>
+            <a:r>
+              <a:rPr lang="en-US" altLang="ko-KR" dirty="0">
+                <a:solidFill>
+                  <a:schemeClr val="tx1"/>
+                </a:solidFill>
+                <a:latin typeface="KoPubWorld돋움체 Bold" panose="00000800000000000000" pitchFamily="2" charset="-127"/>
+                <a:ea typeface="KoPubWorld돋움체 Bold" panose="00000800000000000000" pitchFamily="2" charset="-127"/>
+                <a:cs typeface="KoPubWorld돋움체 Bold" panose="00000800000000000000" pitchFamily="2" charset="-127"/>
+              </a:rPr>
+              <a:t>…</a:t>
+            </a:r>
+            <a:endParaRPr lang="ko-KR" altLang="en-US" dirty="0">
+              <a:solidFill>
+                <a:schemeClr val="tx1"/>
+              </a:solidFill>
+              <a:latin typeface="KoPubWorld돋움체 Bold" panose="00000800000000000000" pitchFamily="2" charset="-127"/>
+              <a:ea typeface="KoPubWorld돋움체 Bold" panose="00000800000000000000" pitchFamily="2" charset="-127"/>
+              <a:cs typeface="KoPubWorld돋움체 Bold" panose="00000800000000000000" pitchFamily="2" charset="-127"/>
+            </a:endParaRPr>
+          </a:p>
+        </p:txBody>
+      </p:sp>
+      <p:sp>
+        <p:nvSpPr>
+          <p:cNvPr id="29" name="직사각형 28">
+            <a:extLst>
+              <a:ext uri="{FF2B5EF4-FFF2-40B4-BE49-F238E27FC236}">
+                <a16:creationId xmlns:a16="http://schemas.microsoft.com/office/drawing/2014/main" id="{71B74403-FB20-489C-95B4-78118485E01A}"/>
+              </a:ext>
+            </a:extLst>
+          </p:cNvPr>
+          <p:cNvSpPr/>
+          <p:nvPr/>
+        </p:nvSpPr>
+        <p:spPr>
+          <a:xfrm>
+            <a:off x="10194899" y="1219230"/>
+            <a:ext cx="455873" cy="631599"/>
+          </a:xfrm>
+          <a:prstGeom prst="rect">
+            <a:avLst/>
+          </a:prstGeom>
+          <a:solidFill>
+            <a:schemeClr val="accent1">
+              <a:alpha val="71000"/>
+            </a:schemeClr>
+          </a:solidFill>
+          <a:ln>
+            <a:noFill/>
+          </a:ln>
+        </p:spPr>
+        <p:style>
+          <a:lnRef idx="2">
+            <a:schemeClr val="accent1">
+              <a:shade val="50000"/>
+            </a:schemeClr>
+          </a:lnRef>
+          <a:fillRef idx="1">
+            <a:schemeClr val="accent1"/>
+          </a:fillRef>
+          <a:effectRef idx="0">
+            <a:schemeClr val="accent1"/>
+          </a:effectRef>
+          <a:fontRef idx="minor">
+            <a:schemeClr val="lt1"/>
+          </a:fontRef>
+        </p:style>
+        <p:txBody>
+          <a:bodyPr rtlCol="0" anchor="ctr"/>
+          <a:lstStyle/>
+          <a:p>
+            <a:pPr algn="ctr"/>
+            <a:endParaRPr lang="ko-KR" altLang="en-US"/>
+          </a:p>
+        </p:txBody>
+      </p:sp>
+      <p:sp>
+        <p:nvSpPr>
+          <p:cNvPr id="30" name="직사각형 29">
+            <a:extLst>
+              <a:ext uri="{FF2B5EF4-FFF2-40B4-BE49-F238E27FC236}">
+                <a16:creationId xmlns:a16="http://schemas.microsoft.com/office/drawing/2014/main" id="{1428370E-FFBB-4898-BC6A-E572718CEEE9}"/>
+              </a:ext>
+            </a:extLst>
+          </p:cNvPr>
+          <p:cNvSpPr/>
+          <p:nvPr/>
+        </p:nvSpPr>
+        <p:spPr>
+          <a:xfrm>
+            <a:off x="10650772" y="1035841"/>
+            <a:ext cx="1576873" cy="998376"/>
+          </a:xfrm>
+          <a:prstGeom prst="rect">
+            <a:avLst/>
+          </a:prstGeom>
+          <a:noFill/>
+          <a:ln>
+            <a:noFill/>
+          </a:ln>
+        </p:spPr>
+        <p:style>
+          <a:lnRef idx="2">
+            <a:schemeClr val="accent1">
+              <a:shade val="50000"/>
+            </a:schemeClr>
+          </a:lnRef>
+          <a:fillRef idx="1">
+            <a:schemeClr val="accent1"/>
+          </a:fillRef>
+          <a:effectRef idx="0">
+            <a:schemeClr val="accent1"/>
+          </a:effectRef>
+          <a:fontRef idx="minor">
+            <a:schemeClr val="lt1"/>
+          </a:fontRef>
+        </p:style>
+        <p:txBody>
+          <a:bodyPr rtlCol="0" anchor="ctr"/>
+          <a:lstStyle/>
+          <a:p>
+            <a:r>
+              <a:rPr lang="ko-KR" altLang="en-US" dirty="0">
+                <a:solidFill>
+                  <a:schemeClr val="tx1"/>
+                </a:solidFill>
+                <a:latin typeface="KoPubWorld돋움체 Bold" panose="00000800000000000000" pitchFamily="2" charset="-127"/>
+                <a:ea typeface="KoPubWorld돋움체 Bold" panose="00000800000000000000" pitchFamily="2" charset="-127"/>
+                <a:cs typeface="KoPubWorld돋움체 Bold" panose="00000800000000000000" pitchFamily="2" charset="-127"/>
+              </a:rPr>
+              <a:t>프레임</a:t>
+            </a:r>
+          </a:p>
+        </p:txBody>
+      </p:sp>
+      <p:pic>
+        <p:nvPicPr>
+          <p:cNvPr id="31" name="그림 30">
+            <a:extLst>
+              <a:ext uri="{FF2B5EF4-FFF2-40B4-BE49-F238E27FC236}">
+                <a16:creationId xmlns:a16="http://schemas.microsoft.com/office/drawing/2014/main" id="{E1DB5EB4-C14C-47F1-8749-1D45ED287DEA}"/>
+              </a:ext>
+            </a:extLst>
+          </p:cNvPr>
+          <p:cNvPicPr>
+            <a:picLocks noChangeAspect="1"/>
+          </p:cNvPicPr>
+          <p:nvPr/>
+        </p:nvPicPr>
+        <p:blipFill>
+          <a:blip r:embed="rId6"/>
+          <a:stretch>
+            <a:fillRect/>
+          </a:stretch>
+        </p:blipFill>
+        <p:spPr>
+          <a:xfrm>
+            <a:off x="8503534" y="495966"/>
+            <a:ext cx="1127835" cy="1421792"/>
+          </a:xfrm>
+          <a:prstGeom prst="rect">
+            <a:avLst/>
+          </a:prstGeom>
+        </p:spPr>
+      </p:pic>
+    </p:spTree>
+    <p:extLst>
+      <p:ext uri="{BB962C8B-B14F-4D97-AF65-F5344CB8AC3E}">
+        <p14:creationId xmlns:p14="http://schemas.microsoft.com/office/powerpoint/2010/main" val="1204261656"/>
+      </p:ext>
+    </p:extLst>
+  </p:cSld>
+  <p:clrMapOvr>
+    <a:masterClrMapping/>
+  </p:clrMapOvr>
+</p:sld>
+</file>
+
+<file path=ppt/slides/slide7.xml><?xml version="1.0" encoding="utf-8"?>
+<p:sld xmlns:a="http://schemas.openxmlformats.org/drawingml/2006/main" xmlns:r="http://schemas.openxmlformats.org/officeDocument/2006/relationships" xmlns:p="http://schemas.openxmlformats.org/presentationml/2006/main">
+  <p:cSld>
+    <p:spTree>
+      <p:nvGrpSpPr>
+        <p:cNvPr id="1" name=""/>
+        <p:cNvGrpSpPr/>
+        <p:nvPr/>
+      </p:nvGrpSpPr>
+      <p:grpSpPr>
+        <a:xfrm>
+          <a:off x="0" y="0"/>
+          <a:ext cx="0" cy="0"/>
+          <a:chOff x="0" y="0"/>
+          <a:chExt cx="0" cy="0"/>
+        </a:xfrm>
+      </p:grpSpPr>
+      <p:sp>
+        <p:nvSpPr>
+          <p:cNvPr id="24" name="직사각형 23">
+            <a:extLst>
+              <a:ext uri="{FF2B5EF4-FFF2-40B4-BE49-F238E27FC236}">
+                <a16:creationId xmlns:a16="http://schemas.microsoft.com/office/drawing/2014/main" id="{F6DA23BF-76D8-4087-9D23-988ADD7B9CE9}"/>
+              </a:ext>
+            </a:extLst>
+          </p:cNvPr>
+          <p:cNvSpPr/>
+          <p:nvPr/>
+        </p:nvSpPr>
+        <p:spPr>
+          <a:xfrm>
+            <a:off x="1113868" y="1280252"/>
+            <a:ext cx="1882622" cy="2259145"/>
+          </a:xfrm>
+          <a:prstGeom prst="rect">
+            <a:avLst/>
+          </a:prstGeom>
+          <a:solidFill>
+            <a:schemeClr val="accent1">
+              <a:alpha val="71000"/>
+            </a:schemeClr>
+          </a:solidFill>
+          <a:ln>
+            <a:noFill/>
+          </a:ln>
+        </p:spPr>
+        <p:style>
+          <a:lnRef idx="2">
+            <a:schemeClr val="accent1">
+              <a:shade val="50000"/>
+            </a:schemeClr>
+          </a:lnRef>
+          <a:fillRef idx="1">
+            <a:schemeClr val="accent1"/>
+          </a:fillRef>
+          <a:effectRef idx="0">
+            <a:schemeClr val="accent1"/>
+          </a:effectRef>
+          <a:fontRef idx="minor">
+            <a:schemeClr val="lt1"/>
+          </a:fontRef>
+        </p:style>
+        <p:txBody>
+          <a:bodyPr rtlCol="0" anchor="ctr"/>
+          <a:lstStyle/>
+          <a:p>
+            <a:pPr algn="ctr"/>
+            <a:endParaRPr lang="ko-KR" altLang="en-US"/>
+          </a:p>
+        </p:txBody>
+      </p:sp>
+      <p:pic>
+        <p:nvPicPr>
+          <p:cNvPr id="3" name="그림 2">
+            <a:extLst>
+              <a:ext uri="{FF2B5EF4-FFF2-40B4-BE49-F238E27FC236}">
+                <a16:creationId xmlns:a16="http://schemas.microsoft.com/office/drawing/2014/main" id="{5484A041-8227-4463-93D4-B13B28BA9262}"/>
+              </a:ext>
+            </a:extLst>
+          </p:cNvPr>
+          <p:cNvPicPr>
+            <a:picLocks noChangeAspect="1"/>
+          </p:cNvPicPr>
+          <p:nvPr/>
+        </p:nvPicPr>
+        <p:blipFill>
+          <a:blip r:embed="rId2">
+            <a:alphaModFix/>
+            <a:extLst>
+              <a:ext uri="{28A0092B-C50C-407E-A947-70E740481C1C}">
+                <a14:useLocalDpi xmlns:a14="http://schemas.microsoft.com/office/drawing/2010/main" val="0"/>
+              </a:ext>
+            </a:extLst>
+          </a:blip>
+          <a:stretch>
+            <a:fillRect/>
+          </a:stretch>
+        </p:blipFill>
+        <p:spPr>
+          <a:xfrm rot="837913">
+            <a:off x="1504485" y="1086469"/>
+            <a:ext cx="1882622" cy="2259146"/>
+          </a:xfrm>
+          <a:prstGeom prst="rect">
+            <a:avLst/>
+          </a:prstGeom>
+          <a:solidFill>
+            <a:schemeClr val="accent1"/>
+          </a:solidFill>
+        </p:spPr>
+      </p:pic>
+      <p:pic>
+        <p:nvPicPr>
+          <p:cNvPr id="6" name="그림 5">
+            <a:extLst>
+              <a:ext uri="{FF2B5EF4-FFF2-40B4-BE49-F238E27FC236}">
+                <a16:creationId xmlns:a16="http://schemas.microsoft.com/office/drawing/2014/main" id="{C5DA4A96-B62E-40BF-8C2E-7090827CDD0C}"/>
+              </a:ext>
+            </a:extLst>
+          </p:cNvPr>
+          <p:cNvPicPr>
+            <a:picLocks noChangeAspect="1"/>
+          </p:cNvPicPr>
+          <p:nvPr/>
+        </p:nvPicPr>
+        <p:blipFill>
+          <a:blip r:embed="rId3"/>
+          <a:stretch>
+            <a:fillRect/>
+          </a:stretch>
+        </p:blipFill>
+        <p:spPr>
+          <a:xfrm>
+            <a:off x="6406334" y="1390650"/>
+            <a:ext cx="1847850" cy="2038350"/>
+          </a:xfrm>
+          <a:prstGeom prst="rect">
+            <a:avLst/>
+          </a:prstGeom>
+        </p:spPr>
+      </p:pic>
+    </p:spTree>
+    <p:extLst>
+      <p:ext uri="{BB962C8B-B14F-4D97-AF65-F5344CB8AC3E}">
+        <p14:creationId xmlns:p14="http://schemas.microsoft.com/office/powerpoint/2010/main" val="2416968739"/>
+      </p:ext>
+    </p:extLst>
+  </p:cSld>
+  <p:clrMapOvr>
+    <a:masterClrMapping/>
+  </p:clrMapOvr>
+</p:sld>
+</file>
+
+<file path=ppt/slides/slide8.xml><?xml version="1.0" encoding="utf-8"?>
 <p:sld xmlns:a="http://schemas.openxmlformats.org/drawingml/2006/main" xmlns:r="http://schemas.openxmlformats.org/officeDocument/2006/relationships" xmlns:p="http://schemas.openxmlformats.org/presentationml/2006/main">
   <p:cSld>
     <p:spTree>
